--- a/UnityCurriculum/7. Hierarchy/Parenting.pptx
+++ b/UnityCurriculum/7. Hierarchy/Parenting.pptx
@@ -16,6 +16,9 @@
     <p:sldId id="263" r:id="rId10"/>
     <p:sldId id="266" r:id="rId11"/>
     <p:sldId id="265" r:id="rId12"/>
+    <p:sldId id="267" r:id="rId13"/>
+    <p:sldId id="268" r:id="rId14"/>
+    <p:sldId id="269" r:id="rId15"/>
   </p:sldIdLst>
   <p:sldSz cx="12192000" cy="6858000"/>
   <p:notesSz cx="6858000" cy="9144000"/>
@@ -114,6 +117,22 @@
       </a:defRPr>
     </a:lvl9pPr>
   </p:defaultTextStyle>
+  <p:extLst>
+    <p:ext uri="{EFAFB233-063F-42B5-8137-9DF3F51BA10A}">
+      <p15:sldGuideLst xmlns:p15="http://schemas.microsoft.com/office/powerpoint/2012/main">
+        <p15:guide id="1" orient="horz" pos="2160">
+          <p15:clr>
+            <a:srgbClr val="A4A3A4"/>
+          </p15:clr>
+        </p15:guide>
+        <p15:guide id="2" pos="3840">
+          <p15:clr>
+            <a:srgbClr val="A4A3A4"/>
+          </p15:clr>
+        </p15:guide>
+      </p15:sldGuideLst>
+    </p:ext>
+  </p:extLst>
 </p:presentation>
 </file>
 
@@ -246,7 +265,7 @@
           <a:p>
             <a:fld id="{B61F53D7-46D2-4141-835B-0393242F4F15}" type="datetimeFigureOut">
               <a:rPr lang="en-US" smtClean="0"/>
-              <a:t>4/4/2017</a:t>
+              <a:t>4/18/2021</a:t>
             </a:fld>
             <a:endParaRPr lang="en-US"/>
           </a:p>
@@ -414,7 +433,7 @@
           <a:p>
             <a:fld id="{B61F53D7-46D2-4141-835B-0393242F4F15}" type="datetimeFigureOut">
               <a:rPr lang="en-US" smtClean="0"/>
-              <a:t>4/4/2017</a:t>
+              <a:t>4/18/2021</a:t>
             </a:fld>
             <a:endParaRPr lang="en-US"/>
           </a:p>
@@ -592,7 +611,7 @@
           <a:p>
             <a:fld id="{B61F53D7-46D2-4141-835B-0393242F4F15}" type="datetimeFigureOut">
               <a:rPr lang="en-US" smtClean="0"/>
-              <a:t>4/4/2017</a:t>
+              <a:t>4/18/2021</a:t>
             </a:fld>
             <a:endParaRPr lang="en-US"/>
           </a:p>
@@ -760,7 +779,7 @@
           <a:p>
             <a:fld id="{B61F53D7-46D2-4141-835B-0393242F4F15}" type="datetimeFigureOut">
               <a:rPr lang="en-US" smtClean="0"/>
-              <a:t>4/4/2017</a:t>
+              <a:t>4/18/2021</a:t>
             </a:fld>
             <a:endParaRPr lang="en-US"/>
           </a:p>
@@ -1005,7 +1024,7 @@
           <a:p>
             <a:fld id="{B61F53D7-46D2-4141-835B-0393242F4F15}" type="datetimeFigureOut">
               <a:rPr lang="en-US" smtClean="0"/>
-              <a:t>4/4/2017</a:t>
+              <a:t>4/18/2021</a:t>
             </a:fld>
             <a:endParaRPr lang="en-US"/>
           </a:p>
@@ -1234,7 +1253,7 @@
           <a:p>
             <a:fld id="{B61F53D7-46D2-4141-835B-0393242F4F15}" type="datetimeFigureOut">
               <a:rPr lang="en-US" smtClean="0"/>
-              <a:t>4/4/2017</a:t>
+              <a:t>4/18/2021</a:t>
             </a:fld>
             <a:endParaRPr lang="en-US"/>
           </a:p>
@@ -1598,7 +1617,7 @@
           <a:p>
             <a:fld id="{B61F53D7-46D2-4141-835B-0393242F4F15}" type="datetimeFigureOut">
               <a:rPr lang="en-US" smtClean="0"/>
-              <a:t>4/4/2017</a:t>
+              <a:t>4/18/2021</a:t>
             </a:fld>
             <a:endParaRPr lang="en-US"/>
           </a:p>
@@ -1715,7 +1734,7 @@
           <a:p>
             <a:fld id="{B61F53D7-46D2-4141-835B-0393242F4F15}" type="datetimeFigureOut">
               <a:rPr lang="en-US" smtClean="0"/>
-              <a:t>4/4/2017</a:t>
+              <a:t>4/18/2021</a:t>
             </a:fld>
             <a:endParaRPr lang="en-US"/>
           </a:p>
@@ -1810,7 +1829,7 @@
           <a:p>
             <a:fld id="{B61F53D7-46D2-4141-835B-0393242F4F15}" type="datetimeFigureOut">
               <a:rPr lang="en-US" smtClean="0"/>
-              <a:t>4/4/2017</a:t>
+              <a:t>4/18/2021</a:t>
             </a:fld>
             <a:endParaRPr lang="en-US"/>
           </a:p>
@@ -2085,7 +2104,7 @@
           <a:p>
             <a:fld id="{B61F53D7-46D2-4141-835B-0393242F4F15}" type="datetimeFigureOut">
               <a:rPr lang="en-US" smtClean="0"/>
-              <a:t>4/4/2017</a:t>
+              <a:t>4/18/2021</a:t>
             </a:fld>
             <a:endParaRPr lang="en-US"/>
           </a:p>
@@ -2337,7 +2356,7 @@
           <a:p>
             <a:fld id="{B61F53D7-46D2-4141-835B-0393242F4F15}" type="datetimeFigureOut">
               <a:rPr lang="en-US" smtClean="0"/>
-              <a:t>4/4/2017</a:t>
+              <a:t>4/18/2021</a:t>
             </a:fld>
             <a:endParaRPr lang="en-US"/>
           </a:p>
@@ -2548,7 +2567,7 @@
           <a:p>
             <a:fld id="{B61F53D7-46D2-4141-835B-0393242F4F15}" type="datetimeFigureOut">
               <a:rPr lang="en-US" smtClean="0"/>
-              <a:t>4/4/2017</a:t>
+              <a:t>4/18/2021</a:t>
             </a:fld>
             <a:endParaRPr lang="en-US"/>
           </a:p>
@@ -2969,19 +2988,15 @@
           <a:lstStyle/>
           <a:p>
             <a:r>
-              <a:rPr lang="en-US" dirty="0" smtClean="0"/>
+              <a:rPr lang="en-US" dirty="0"/>
               <a:t>Unity</a:t>
             </a:r>
             <a:br>
-              <a:rPr lang="en-US" dirty="0" smtClean="0"/>
+              <a:rPr lang="en-US" dirty="0"/>
             </a:br>
             <a:r>
-              <a:rPr lang="en-US" dirty="0" smtClean="0"/>
-              <a:t>“Parenting</a:t>
-            </a:r>
-            <a:r>
               <a:rPr lang="en-US" dirty="0"/>
-              <a:t>”</a:t>
+              <a:t>“Parenting”</a:t>
             </a:r>
           </a:p>
         </p:txBody>
@@ -3003,13 +3018,8 @@
           <a:p>
             <a:r>
               <a:rPr lang="en-US" dirty="0"/>
-              <a:t>By </a:t>
-            </a:r>
-            <a:r>
-              <a:rPr lang="en-US" dirty="0" smtClean="0"/>
-              <a:t>John</a:t>
-            </a:r>
-            <a:endParaRPr lang="en-US" dirty="0"/>
+              <a:t>By John</a:t>
+            </a:r>
           </a:p>
         </p:txBody>
       </p:sp>
@@ -3209,6 +3219,567 @@
     <p:extLst>
       <p:ext uri="{BB962C8B-B14F-4D97-AF65-F5344CB8AC3E}">
         <p14:creationId xmlns:p14="http://schemas.microsoft.com/office/powerpoint/2010/main" val="3237252880"/>
+      </p:ext>
+    </p:extLst>
+  </p:cSld>
+  <p:clrMapOvr>
+    <a:masterClrMapping/>
+  </p:clrMapOvr>
+</p:sld>
+</file>
+
+<file path=ppt/slides/slide12.xml><?xml version="1.0" encoding="utf-8"?>
+<p:sld xmlns:a="http://schemas.openxmlformats.org/drawingml/2006/main" xmlns:r="http://schemas.openxmlformats.org/officeDocument/2006/relationships" xmlns:p="http://schemas.openxmlformats.org/presentationml/2006/main">
+  <p:cSld>
+    <p:spTree>
+      <p:nvGrpSpPr>
+        <p:cNvPr id="1" name=""/>
+        <p:cNvGrpSpPr/>
+        <p:nvPr/>
+      </p:nvGrpSpPr>
+      <p:grpSpPr>
+        <a:xfrm>
+          <a:off x="0" y="0"/>
+          <a:ext cx="0" cy="0"/>
+          <a:chOff x="0" y="0"/>
+          <a:chExt cx="0" cy="0"/>
+        </a:xfrm>
+      </p:grpSpPr>
+      <p:sp>
+        <p:nvSpPr>
+          <p:cNvPr id="2" name="Title 1">
+            <a:extLst>
+              <a:ext uri="{FF2B5EF4-FFF2-40B4-BE49-F238E27FC236}">
+                <a16:creationId xmlns:a16="http://schemas.microsoft.com/office/drawing/2014/main" id="{69C716B4-96A4-4D94-9CAA-4AE43C77FDFE}"/>
+              </a:ext>
+            </a:extLst>
+          </p:cNvPr>
+          <p:cNvSpPr>
+            <a:spLocks noGrp="1"/>
+          </p:cNvSpPr>
+          <p:nvPr>
+            <p:ph type="title"/>
+          </p:nvPr>
+        </p:nvSpPr>
+        <p:spPr/>
+        <p:txBody>
+          <a:bodyPr/>
+          <a:lstStyle/>
+          <a:p>
+            <a:pPr algn="ctr"/>
+            <a:r>
+              <a:rPr lang="en-US" dirty="0"/>
+              <a:t>Lab7</a:t>
+            </a:r>
+          </a:p>
+        </p:txBody>
+      </p:sp>
+      <p:sp>
+        <p:nvSpPr>
+          <p:cNvPr id="3" name="TextBox 2">
+            <a:extLst>
+              <a:ext uri="{FF2B5EF4-FFF2-40B4-BE49-F238E27FC236}">
+                <a16:creationId xmlns:a16="http://schemas.microsoft.com/office/drawing/2014/main" id="{4C5077F4-2ED3-472C-A63A-3CD52020D449}"/>
+              </a:ext>
+            </a:extLst>
+          </p:cNvPr>
+          <p:cNvSpPr txBox="1"/>
+          <p:nvPr/>
+        </p:nvSpPr>
+        <p:spPr>
+          <a:xfrm>
+            <a:off x="1378226" y="1630014"/>
+            <a:ext cx="10537180" cy="4924425"/>
+          </a:xfrm>
+          <a:prstGeom prst="rect">
+            <a:avLst/>
+          </a:prstGeom>
+          <a:noFill/>
+        </p:spPr>
+        <p:txBody>
+          <a:bodyPr wrap="none" rtlCol="0">
+            <a:spAutoFit/>
+          </a:bodyPr>
+          <a:lstStyle/>
+          <a:p>
+            <a:pPr marL="457200" indent="-457200">
+              <a:buFontTx/>
+              <a:buChar char="-"/>
+            </a:pPr>
+            <a:r>
+              <a:rPr lang="en-US" sz="2800" dirty="0"/>
+              <a:t>This is a group lab (each person does the lab)</a:t>
+            </a:r>
+          </a:p>
+          <a:p>
+            <a:pPr marL="285750" indent="-285750">
+              <a:buFontTx/>
+              <a:buChar char="-"/>
+            </a:pPr>
+            <a:r>
+              <a:rPr lang="en-US" sz="2800" dirty="0"/>
+              <a:t>Decide on a subject </a:t>
+            </a:r>
+          </a:p>
+          <a:p>
+            <a:pPr marL="742950" lvl="1" indent="-285750">
+              <a:buFontTx/>
+              <a:buChar char="-"/>
+            </a:pPr>
+            <a:r>
+              <a:rPr lang="en-US" dirty="0"/>
+              <a:t>Animal</a:t>
+            </a:r>
+          </a:p>
+          <a:p>
+            <a:pPr marL="742950" lvl="1" indent="-285750">
+              <a:buFontTx/>
+              <a:buChar char="-"/>
+            </a:pPr>
+            <a:r>
+              <a:rPr lang="en-US" dirty="0"/>
+              <a:t>Human </a:t>
+            </a:r>
+          </a:p>
+          <a:p>
+            <a:pPr marL="742950" lvl="1" indent="-285750">
+              <a:buFontTx/>
+              <a:buChar char="-"/>
+            </a:pPr>
+            <a:r>
+              <a:rPr lang="en-US" dirty="0"/>
+              <a:t>Automobile</a:t>
+            </a:r>
+          </a:p>
+          <a:p>
+            <a:pPr marL="742950" lvl="1" indent="-285750">
+              <a:buFontTx/>
+              <a:buChar char="-"/>
+            </a:pPr>
+            <a:r>
+              <a:rPr lang="en-US" dirty="0"/>
+              <a:t>Tree</a:t>
+            </a:r>
+          </a:p>
+          <a:p>
+            <a:pPr marL="742950" lvl="1" indent="-285750">
+              <a:buFontTx/>
+              <a:buChar char="-"/>
+            </a:pPr>
+            <a:r>
+              <a:rPr lang="en-US" dirty="0"/>
+              <a:t>…</a:t>
+            </a:r>
+            <a:endParaRPr lang="en-US" sz="2800" dirty="0"/>
+          </a:p>
+          <a:p>
+            <a:pPr marL="457200" indent="-457200">
+              <a:buFontTx/>
+              <a:buChar char="-"/>
+            </a:pPr>
+            <a:r>
+              <a:rPr lang="en-US" sz="2800" dirty="0"/>
+              <a:t>Assign each group member a part of the subject</a:t>
+            </a:r>
+          </a:p>
+          <a:p>
+            <a:pPr marL="914400" lvl="1" indent="-457200">
+              <a:buFontTx/>
+              <a:buChar char="-"/>
+            </a:pPr>
+            <a:r>
+              <a:rPr lang="en-US" sz="2800" dirty="0"/>
+              <a:t>Joe – head</a:t>
+            </a:r>
+          </a:p>
+          <a:p>
+            <a:pPr marL="914400" lvl="1" indent="-457200">
+              <a:buFontTx/>
+              <a:buChar char="-"/>
+            </a:pPr>
+            <a:r>
+              <a:rPr lang="en-US" sz="2800" dirty="0"/>
+              <a:t>Mary – legs</a:t>
+            </a:r>
+          </a:p>
+          <a:p>
+            <a:pPr marL="914400" lvl="1" indent="-457200">
+              <a:buFontTx/>
+              <a:buChar char="-"/>
+            </a:pPr>
+            <a:r>
+              <a:rPr lang="en-US" sz="2800" dirty="0"/>
+              <a:t>Sam – arms…</a:t>
+            </a:r>
+          </a:p>
+          <a:p>
+            <a:pPr marL="457200" indent="-457200">
+              <a:buFontTx/>
+              <a:buChar char="-"/>
+            </a:pPr>
+            <a:r>
+              <a:rPr lang="en-US" sz="2800" dirty="0"/>
+              <a:t>Share parts in discord (like when you passed your pics to your group</a:t>
+            </a:r>
+          </a:p>
+          <a:p>
+            <a:pPr marL="457200" indent="-457200">
+              <a:buFontTx/>
+              <a:buChar char="-"/>
+            </a:pPr>
+            <a:r>
+              <a:rPr lang="en-US" sz="2800" dirty="0"/>
+              <a:t>Make an empty </a:t>
+            </a:r>
+            <a:r>
+              <a:rPr lang="en-US" sz="2800" dirty="0" err="1"/>
+              <a:t>GameObject</a:t>
+            </a:r>
+            <a:r>
+              <a:rPr lang="en-US" sz="2800" dirty="0"/>
+              <a:t> (like the video) </a:t>
+            </a:r>
+          </a:p>
+        </p:txBody>
+      </p:sp>
+    </p:spTree>
+    <p:extLst>
+      <p:ext uri="{BB962C8B-B14F-4D97-AF65-F5344CB8AC3E}">
+        <p14:creationId xmlns:p14="http://schemas.microsoft.com/office/powerpoint/2010/main" val="122956894"/>
+      </p:ext>
+    </p:extLst>
+  </p:cSld>
+  <p:clrMapOvr>
+    <a:masterClrMapping/>
+  </p:clrMapOvr>
+</p:sld>
+</file>
+
+<file path=ppt/slides/slide13.xml><?xml version="1.0" encoding="utf-8"?>
+<p:sld xmlns:a="http://schemas.openxmlformats.org/drawingml/2006/main" xmlns:r="http://schemas.openxmlformats.org/officeDocument/2006/relationships" xmlns:p="http://schemas.openxmlformats.org/presentationml/2006/main">
+  <p:cSld>
+    <p:spTree>
+      <p:nvGrpSpPr>
+        <p:cNvPr id="1" name=""/>
+        <p:cNvGrpSpPr/>
+        <p:nvPr/>
+      </p:nvGrpSpPr>
+      <p:grpSpPr>
+        <a:xfrm>
+          <a:off x="0" y="0"/>
+          <a:ext cx="0" cy="0"/>
+          <a:chOff x="0" y="0"/>
+          <a:chExt cx="0" cy="0"/>
+        </a:xfrm>
+      </p:grpSpPr>
+      <p:sp>
+        <p:nvSpPr>
+          <p:cNvPr id="2" name="Title 1">
+            <a:extLst>
+              <a:ext uri="{FF2B5EF4-FFF2-40B4-BE49-F238E27FC236}">
+                <a16:creationId xmlns:a16="http://schemas.microsoft.com/office/drawing/2014/main" id="{69C716B4-96A4-4D94-9CAA-4AE43C77FDFE}"/>
+              </a:ext>
+            </a:extLst>
+          </p:cNvPr>
+          <p:cNvSpPr>
+            <a:spLocks noGrp="1"/>
+          </p:cNvSpPr>
+          <p:nvPr>
+            <p:ph type="title"/>
+          </p:nvPr>
+        </p:nvSpPr>
+        <p:spPr/>
+        <p:txBody>
+          <a:bodyPr/>
+          <a:lstStyle/>
+          <a:p>
+            <a:pPr algn="ctr"/>
+            <a:r>
+              <a:rPr lang="en-US" dirty="0"/>
+              <a:t>Lab7 - continued</a:t>
+            </a:r>
+          </a:p>
+        </p:txBody>
+      </p:sp>
+      <p:sp>
+        <p:nvSpPr>
+          <p:cNvPr id="3" name="TextBox 2">
+            <a:extLst>
+              <a:ext uri="{FF2B5EF4-FFF2-40B4-BE49-F238E27FC236}">
+                <a16:creationId xmlns:a16="http://schemas.microsoft.com/office/drawing/2014/main" id="{4C5077F4-2ED3-472C-A63A-3CD52020D449}"/>
+              </a:ext>
+            </a:extLst>
+          </p:cNvPr>
+          <p:cNvSpPr txBox="1"/>
+          <p:nvPr/>
+        </p:nvSpPr>
+        <p:spPr>
+          <a:xfrm>
+            <a:off x="1378226" y="1669771"/>
+            <a:ext cx="10863295" cy="2677656"/>
+          </a:xfrm>
+          <a:prstGeom prst="rect">
+            <a:avLst/>
+          </a:prstGeom>
+          <a:noFill/>
+        </p:spPr>
+        <p:txBody>
+          <a:bodyPr wrap="none" rtlCol="0">
+            <a:spAutoFit/>
+          </a:bodyPr>
+          <a:lstStyle/>
+          <a:p>
+            <a:pPr marL="457200" indent="-457200">
+              <a:buFontTx/>
+              <a:buChar char="-"/>
+            </a:pPr>
+            <a:r>
+              <a:rPr lang="en-US" sz="2800" dirty="0"/>
+              <a:t>Rename the </a:t>
+            </a:r>
+            <a:r>
+              <a:rPr lang="en-US" sz="2800" dirty="0" err="1"/>
+              <a:t>GameObject</a:t>
+            </a:r>
+            <a:r>
+              <a:rPr lang="en-US" sz="2800" dirty="0"/>
+              <a:t> whatever the subject is (</a:t>
+            </a:r>
+            <a:r>
+              <a:rPr lang="en-US" sz="2800" dirty="0" err="1"/>
+              <a:t>eg</a:t>
+            </a:r>
+            <a:r>
+              <a:rPr lang="en-US" sz="2800" dirty="0"/>
+              <a:t> “surfer dude”)</a:t>
+            </a:r>
+          </a:p>
+          <a:p>
+            <a:pPr marL="457200" indent="-457200">
+              <a:buFontTx/>
+              <a:buChar char="-"/>
+            </a:pPr>
+            <a:r>
+              <a:rPr lang="en-US" sz="2800" dirty="0"/>
+              <a:t>Assemble your </a:t>
+            </a:r>
+            <a:r>
+              <a:rPr lang="en-US" sz="2800" dirty="0" err="1"/>
+              <a:t>GameObject</a:t>
+            </a:r>
+            <a:r>
+              <a:rPr lang="en-US" sz="2800" dirty="0"/>
+              <a:t> using the parent-child hierarchy</a:t>
+            </a:r>
+          </a:p>
+          <a:p>
+            <a:pPr marL="457200" indent="-457200">
+              <a:buFontTx/>
+              <a:buChar char="-"/>
+            </a:pPr>
+            <a:r>
+              <a:rPr lang="en-US" sz="2800" dirty="0"/>
+              <a:t>Make at least 3 duplicates of your new </a:t>
+            </a:r>
+            <a:r>
+              <a:rPr lang="en-US" sz="2800" dirty="0" err="1"/>
+              <a:t>GameObject</a:t>
+            </a:r>
+            <a:endParaRPr lang="en-US" sz="2800" dirty="0"/>
+          </a:p>
+          <a:p>
+            <a:pPr marL="457200" indent="-457200">
+              <a:buFontTx/>
+              <a:buChar char="-"/>
+            </a:pPr>
+            <a:r>
+              <a:rPr lang="en-US" sz="2800" dirty="0"/>
+              <a:t>Rotate at least one of them</a:t>
+            </a:r>
+          </a:p>
+          <a:p>
+            <a:pPr marL="457200" indent="-457200">
+              <a:buFontTx/>
+              <a:buChar char="-"/>
+            </a:pPr>
+            <a:r>
+              <a:rPr lang="en-US" sz="2800" dirty="0"/>
+              <a:t>Give at least one of them rigid body power</a:t>
+            </a:r>
+          </a:p>
+          <a:p>
+            <a:pPr marL="457200" indent="-457200">
+              <a:buFontTx/>
+              <a:buChar char="-"/>
+            </a:pPr>
+            <a:r>
+              <a:rPr lang="en-US" sz="2800" dirty="0"/>
+              <a:t>Submit a screen shot like the following slide that shows your hierarchy</a:t>
+            </a:r>
+          </a:p>
+        </p:txBody>
+      </p:sp>
+    </p:spTree>
+    <p:extLst>
+      <p:ext uri="{BB962C8B-B14F-4D97-AF65-F5344CB8AC3E}">
+        <p14:creationId xmlns:p14="http://schemas.microsoft.com/office/powerpoint/2010/main" val="1392924330"/>
+      </p:ext>
+    </p:extLst>
+  </p:cSld>
+  <p:clrMapOvr>
+    <a:masterClrMapping/>
+  </p:clrMapOvr>
+</p:sld>
+</file>
+
+<file path=ppt/slides/slide14.xml><?xml version="1.0" encoding="utf-8"?>
+<p:sld xmlns:a="http://schemas.openxmlformats.org/drawingml/2006/main" xmlns:r="http://schemas.openxmlformats.org/officeDocument/2006/relationships" xmlns:p="http://schemas.openxmlformats.org/presentationml/2006/main">
+  <p:cSld>
+    <p:spTree>
+      <p:nvGrpSpPr>
+        <p:cNvPr id="1" name=""/>
+        <p:cNvGrpSpPr/>
+        <p:nvPr/>
+      </p:nvGrpSpPr>
+      <p:grpSpPr>
+        <a:xfrm>
+          <a:off x="0" y="0"/>
+          <a:ext cx="0" cy="0"/>
+          <a:chOff x="0" y="0"/>
+          <a:chExt cx="0" cy="0"/>
+        </a:xfrm>
+      </p:grpSpPr>
+      <p:pic>
+        <p:nvPicPr>
+          <p:cNvPr id="3" name="Picture 2" descr="Graphical user interface&#10;&#10;Description automatically generated">
+            <a:extLst>
+              <a:ext uri="{FF2B5EF4-FFF2-40B4-BE49-F238E27FC236}">
+                <a16:creationId xmlns:a16="http://schemas.microsoft.com/office/drawing/2014/main" id="{278D4F87-0FEA-42BF-AFB5-033F3D036E93}"/>
+              </a:ext>
+            </a:extLst>
+          </p:cNvPr>
+          <p:cNvPicPr>
+            <a:picLocks noChangeAspect="1"/>
+          </p:cNvPicPr>
+          <p:nvPr/>
+        </p:nvPicPr>
+        <p:blipFill>
+          <a:blip r:embed="rId2">
+            <a:extLst>
+              <a:ext uri="{28A0092B-C50C-407E-A947-70E740481C1C}">
+                <a14:useLocalDpi xmlns:a14="http://schemas.microsoft.com/office/drawing/2010/main" val="0"/>
+              </a:ext>
+            </a:extLst>
+          </a:blip>
+          <a:stretch>
+            <a:fillRect/>
+          </a:stretch>
+        </p:blipFill>
+        <p:spPr>
+          <a:xfrm>
+            <a:off x="1847849" y="1785938"/>
+            <a:ext cx="9403247" cy="3636906"/>
+          </a:xfrm>
+          <a:prstGeom prst="rect">
+            <a:avLst/>
+          </a:prstGeom>
+        </p:spPr>
+      </p:pic>
+      <p:cxnSp>
+        <p:nvCxnSpPr>
+          <p:cNvPr id="5" name="Straight Arrow Connector 4">
+            <a:extLst>
+              <a:ext uri="{FF2B5EF4-FFF2-40B4-BE49-F238E27FC236}">
+                <a16:creationId xmlns:a16="http://schemas.microsoft.com/office/drawing/2014/main" id="{AD84765D-D206-428A-A106-594D0B9808BA}"/>
+              </a:ext>
+            </a:extLst>
+          </p:cNvPr>
+          <p:cNvCxnSpPr/>
+          <p:nvPr/>
+        </p:nvCxnSpPr>
+        <p:spPr>
+          <a:xfrm flipV="1">
+            <a:off x="940904" y="3101009"/>
+            <a:ext cx="1245705" cy="848139"/>
+          </a:xfrm>
+          <a:prstGeom prst="straightConnector1">
+            <a:avLst/>
+          </a:prstGeom>
+          <a:ln w="57150">
+            <a:solidFill>
+              <a:srgbClr val="FF0000"/>
+            </a:solidFill>
+            <a:tailEnd type="triangle"/>
+          </a:ln>
+        </p:spPr>
+        <p:style>
+          <a:lnRef idx="1">
+            <a:schemeClr val="accent1"/>
+          </a:lnRef>
+          <a:fillRef idx="0">
+            <a:schemeClr val="accent1"/>
+          </a:fillRef>
+          <a:effectRef idx="0">
+            <a:schemeClr val="accent1"/>
+          </a:effectRef>
+          <a:fontRef idx="minor">
+            <a:schemeClr val="tx1"/>
+          </a:fontRef>
+        </p:style>
+      </p:cxnSp>
+      <p:sp>
+        <p:nvSpPr>
+          <p:cNvPr id="6" name="TextBox 5">
+            <a:extLst>
+              <a:ext uri="{FF2B5EF4-FFF2-40B4-BE49-F238E27FC236}">
+                <a16:creationId xmlns:a16="http://schemas.microsoft.com/office/drawing/2014/main" id="{76B53CDB-D656-4DBB-9284-9387E96558BE}"/>
+              </a:ext>
+            </a:extLst>
+          </p:cNvPr>
+          <p:cNvSpPr txBox="1"/>
+          <p:nvPr/>
+        </p:nvSpPr>
+        <p:spPr>
+          <a:xfrm>
+            <a:off x="0" y="4177593"/>
+            <a:ext cx="2121286" cy="954107"/>
+          </a:xfrm>
+          <a:prstGeom prst="rect">
+            <a:avLst/>
+          </a:prstGeom>
+          <a:noFill/>
+        </p:spPr>
+        <p:txBody>
+          <a:bodyPr wrap="none" rtlCol="0">
+            <a:spAutoFit/>
+          </a:bodyPr>
+          <a:lstStyle/>
+          <a:p>
+            <a:r>
+              <a:rPr lang="en-US" sz="2800" dirty="0">
+                <a:solidFill>
+                  <a:srgbClr val="FF0000"/>
+                </a:solidFill>
+              </a:rPr>
+              <a:t>Make sure </a:t>
+            </a:r>
+          </a:p>
+          <a:p>
+            <a:r>
+              <a:rPr lang="en-US" sz="2800" dirty="0">
+                <a:solidFill>
+                  <a:srgbClr val="FF0000"/>
+                </a:solidFill>
+              </a:rPr>
+              <a:t>this is shown</a:t>
+            </a:r>
+          </a:p>
+        </p:txBody>
+      </p:sp>
+    </p:spTree>
+    <p:extLst>
+      <p:ext uri="{BB962C8B-B14F-4D97-AF65-F5344CB8AC3E}">
+        <p14:creationId xmlns:p14="http://schemas.microsoft.com/office/powerpoint/2010/main" val="3008000275"/>
       </p:ext>
     </p:extLst>
   </p:cSld>
@@ -3403,12 +3974,8 @@
           <a:lstStyle/>
           <a:p>
             <a:r>
-              <a:rPr lang="en-US" dirty="0" smtClean="0"/>
-              <a:t>Unit’s </a:t>
-            </a:r>
-            <a:r>
               <a:rPr lang="en-US" dirty="0"/>
-              <a:t>solution? Parenting!</a:t>
+              <a:t>Unit’s solution? Parenting!</a:t>
             </a:r>
           </a:p>
         </p:txBody>
@@ -4857,7 +5424,7 @@
   <a:extraClrSchemeLst/>
   <a:extLst>
     <a:ext uri="{05A4C25C-085E-4340-85A3-A5531E510DB2}">
-      <thm15:themeFamily xmlns:thm15="http://schemas.microsoft.com/office/thememl/2012/main" xmlns="" name="Office Theme" id="{62F939B6-93AF-4DB8-9C6B-D6C7DFDC589F}" vid="{4A3C46E8-61CC-4603-A589-7422A47A8E4A}"/>
+      <thm15:themeFamily xmlns:thm15="http://schemas.microsoft.com/office/thememl/2012/main" name="Office Theme" id="{62F939B6-93AF-4DB8-9C6B-D6C7DFDC589F}" vid="{4A3C46E8-61CC-4603-A589-7422A47A8E4A}"/>
     </a:ext>
   </a:extLst>
 </a:theme>
